--- a/Scikit-Learn.pptx
+++ b/Scikit-Learn.pptx
@@ -11,10 +11,11 @@
     <p:sldId id="259" r:id="rId5"/>
     <p:sldId id="260" r:id="rId6"/>
     <p:sldId id="261" r:id="rId7"/>
-    <p:sldId id="264" r:id="rId8"/>
-    <p:sldId id="265" r:id="rId9"/>
-    <p:sldId id="266" r:id="rId10"/>
-    <p:sldId id="267" r:id="rId11"/>
+    <p:sldId id="268" r:id="rId8"/>
+    <p:sldId id="264" r:id="rId9"/>
+    <p:sldId id="265" r:id="rId10"/>
+    <p:sldId id="266" r:id="rId11"/>
+    <p:sldId id="267" r:id="rId12"/>
   </p:sldIdLst>
   <p:sldSz cx="12192000" cy="6858000"/>
   <p:notesSz cx="6858000" cy="9144000"/>
@@ -270,7 +271,7 @@
           <a:p>
             <a:fld id="{FDCE831C-CC40-4EEE-846E-746252DC3F6A}" type="datetimeFigureOut">
               <a:rPr lang="en-CA" smtClean="0"/>
-              <a:t>2022-09-06</a:t>
+              <a:t>2022-09-13</a:t>
             </a:fld>
             <a:endParaRPr lang="en-CA"/>
           </a:p>
@@ -470,7 +471,7 @@
           <a:p>
             <a:fld id="{FDCE831C-CC40-4EEE-846E-746252DC3F6A}" type="datetimeFigureOut">
               <a:rPr lang="en-CA" smtClean="0"/>
-              <a:t>2022-09-06</a:t>
+              <a:t>2022-09-13</a:t>
             </a:fld>
             <a:endParaRPr lang="en-CA"/>
           </a:p>
@@ -680,7 +681,7 @@
           <a:p>
             <a:fld id="{FDCE831C-CC40-4EEE-846E-746252DC3F6A}" type="datetimeFigureOut">
               <a:rPr lang="en-CA" smtClean="0"/>
-              <a:t>2022-09-06</a:t>
+              <a:t>2022-09-13</a:t>
             </a:fld>
             <a:endParaRPr lang="en-CA"/>
           </a:p>
@@ -880,7 +881,7 @@
           <a:p>
             <a:fld id="{FDCE831C-CC40-4EEE-846E-746252DC3F6A}" type="datetimeFigureOut">
               <a:rPr lang="en-CA" smtClean="0"/>
-              <a:t>2022-09-06</a:t>
+              <a:t>2022-09-13</a:t>
             </a:fld>
             <a:endParaRPr lang="en-CA"/>
           </a:p>
@@ -1156,7 +1157,7 @@
           <a:p>
             <a:fld id="{FDCE831C-CC40-4EEE-846E-746252DC3F6A}" type="datetimeFigureOut">
               <a:rPr lang="en-CA" smtClean="0"/>
-              <a:t>2022-09-06</a:t>
+              <a:t>2022-09-13</a:t>
             </a:fld>
             <a:endParaRPr lang="en-CA"/>
           </a:p>
@@ -1424,7 +1425,7 @@
           <a:p>
             <a:fld id="{FDCE831C-CC40-4EEE-846E-746252DC3F6A}" type="datetimeFigureOut">
               <a:rPr lang="en-CA" smtClean="0"/>
-              <a:t>2022-09-06</a:t>
+              <a:t>2022-09-13</a:t>
             </a:fld>
             <a:endParaRPr lang="en-CA"/>
           </a:p>
@@ -1839,7 +1840,7 @@
           <a:p>
             <a:fld id="{FDCE831C-CC40-4EEE-846E-746252DC3F6A}" type="datetimeFigureOut">
               <a:rPr lang="en-CA" smtClean="0"/>
-              <a:t>2022-09-06</a:t>
+              <a:t>2022-09-13</a:t>
             </a:fld>
             <a:endParaRPr lang="en-CA"/>
           </a:p>
@@ -1981,7 +1982,7 @@
           <a:p>
             <a:fld id="{FDCE831C-CC40-4EEE-846E-746252DC3F6A}" type="datetimeFigureOut">
               <a:rPr lang="en-CA" smtClean="0"/>
-              <a:t>2022-09-06</a:t>
+              <a:t>2022-09-13</a:t>
             </a:fld>
             <a:endParaRPr lang="en-CA"/>
           </a:p>
@@ -2094,7 +2095,7 @@
           <a:p>
             <a:fld id="{FDCE831C-CC40-4EEE-846E-746252DC3F6A}" type="datetimeFigureOut">
               <a:rPr lang="en-CA" smtClean="0"/>
-              <a:t>2022-09-06</a:t>
+              <a:t>2022-09-13</a:t>
             </a:fld>
             <a:endParaRPr lang="en-CA"/>
           </a:p>
@@ -2407,7 +2408,7 @@
           <a:p>
             <a:fld id="{FDCE831C-CC40-4EEE-846E-746252DC3F6A}" type="datetimeFigureOut">
               <a:rPr lang="en-CA" smtClean="0"/>
-              <a:t>2022-09-06</a:t>
+              <a:t>2022-09-13</a:t>
             </a:fld>
             <a:endParaRPr lang="en-CA"/>
           </a:p>
@@ -2696,7 +2697,7 @@
           <a:p>
             <a:fld id="{FDCE831C-CC40-4EEE-846E-746252DC3F6A}" type="datetimeFigureOut">
               <a:rPr lang="en-CA" smtClean="0"/>
-              <a:t>2022-09-06</a:t>
+              <a:t>2022-09-13</a:t>
             </a:fld>
             <a:endParaRPr lang="en-CA"/>
           </a:p>
@@ -2939,7 +2940,7 @@
           <a:p>
             <a:fld id="{FDCE831C-CC40-4EEE-846E-746252DC3F6A}" type="datetimeFigureOut">
               <a:rPr lang="en-CA" smtClean="0"/>
-              <a:t>2022-09-06</a:t>
+              <a:t>2022-09-13</a:t>
             </a:fld>
             <a:endParaRPr lang="en-CA"/>
           </a:p>
@@ -3493,6 +3494,110 @@
           <p:cNvPr id="2" name="Title 1">
             <a:extLst>
               <a:ext uri="{FF2B5EF4-FFF2-40B4-BE49-F238E27FC236}">
+                <a16:creationId xmlns:a16="http://schemas.microsoft.com/office/drawing/2014/main" id="{4850A3A1-B94D-C587-43C1-0D571B550B08}"/>
+              </a:ext>
+            </a:extLst>
+          </p:cNvPr>
+          <p:cNvSpPr>
+            <a:spLocks noGrp="1"/>
+          </p:cNvSpPr>
+          <p:nvPr>
+            <p:ph type="title"/>
+          </p:nvPr>
+        </p:nvSpPr>
+        <p:spPr/>
+        <p:txBody>
+          <a:bodyPr/>
+          <a:lstStyle/>
+          <a:p>
+            <a:pPr algn="ctr"/>
+            <a:r>
+              <a:rPr lang="en-US" dirty="0"/>
+              <a:t>k-Fold Cross-Validation</a:t>
+            </a:r>
+            <a:endParaRPr lang="en-CA" dirty="0"/>
+          </a:p>
+        </p:txBody>
+      </p:sp>
+      <p:sp>
+        <p:nvSpPr>
+          <p:cNvPr id="3" name="Content Placeholder 2">
+            <a:extLst>
+              <a:ext uri="{FF2B5EF4-FFF2-40B4-BE49-F238E27FC236}">
+                <a16:creationId xmlns:a16="http://schemas.microsoft.com/office/drawing/2014/main" id="{8EDCC8CF-E8DB-F498-EAE3-89867EF8D58A}"/>
+              </a:ext>
+            </a:extLst>
+          </p:cNvPr>
+          <p:cNvSpPr>
+            <a:spLocks noGrp="1"/>
+          </p:cNvSpPr>
+          <p:nvPr>
+            <p:ph idx="1"/>
+          </p:nvPr>
+        </p:nvSpPr>
+        <p:spPr/>
+        <p:txBody>
+          <a:bodyPr/>
+          <a:lstStyle/>
+          <a:p>
+            <a:pPr lvl="1"/>
+            <a:r>
+              <a:rPr lang="en-US" dirty="0"/>
+              <a:t>K-Fold Cross Validation is better than using holdout (train-test-split) method.</a:t>
+            </a:r>
+          </a:p>
+          <a:p>
+            <a:pPr lvl="1"/>
+            <a:r>
+              <a:rPr lang="en-US" dirty="0"/>
+              <a:t>In this validation, we need to use “cross_val_score” function.</a:t>
+            </a:r>
+          </a:p>
+          <a:p>
+            <a:pPr lvl="1"/>
+            <a:r>
+              <a:rPr lang="en-US" dirty="0"/>
+              <a:t>By using “GridSearchCV”, we can find the optimal value for ‘n_neighbors.</a:t>
+            </a:r>
+            <a:endParaRPr lang="en-CA" dirty="0"/>
+          </a:p>
+        </p:txBody>
+      </p:sp>
+    </p:spTree>
+    <p:extLst>
+      <p:ext uri="{BB962C8B-B14F-4D97-AF65-F5344CB8AC3E}">
+        <p14:creationId xmlns:p14="http://schemas.microsoft.com/office/powerpoint/2010/main" val="2181091933"/>
+      </p:ext>
+    </p:extLst>
+  </p:cSld>
+  <p:clrMapOvr>
+    <a:masterClrMapping/>
+  </p:clrMapOvr>
+</p:sld>
+</file>
+
+<file path=ppt/slides/slide11.xml><?xml version="1.0" encoding="utf-8"?>
+<p:sld xmlns:a="http://schemas.openxmlformats.org/drawingml/2006/main" xmlns:r="http://schemas.openxmlformats.org/officeDocument/2006/relationships" xmlns:p="http://schemas.openxmlformats.org/presentationml/2006/main">
+  <p:cSld>
+    <p:spTree>
+      <p:nvGrpSpPr>
+        <p:cNvPr id="1" name=""/>
+        <p:cNvGrpSpPr/>
+        <p:nvPr/>
+      </p:nvGrpSpPr>
+      <p:grpSpPr>
+        <a:xfrm>
+          <a:off x="0" y="0"/>
+          <a:ext cx="0" cy="0"/>
+          <a:chOff x="0" y="0"/>
+          <a:chExt cx="0" cy="0"/>
+        </a:xfrm>
+      </p:grpSpPr>
+      <p:sp>
+        <p:nvSpPr>
+          <p:cNvPr id="2" name="Title 1">
+            <a:extLst>
+              <a:ext uri="{FF2B5EF4-FFF2-40B4-BE49-F238E27FC236}">
                 <a16:creationId xmlns:a16="http://schemas.microsoft.com/office/drawing/2014/main" id="{DCACB80B-F232-E805-264E-4417E9C31ACC}"/>
               </a:ext>
             </a:extLst>
@@ -3652,7 +3757,7 @@
         <p:spPr>
           <a:xfrm>
             <a:off x="838200" y="1825625"/>
-            <a:ext cx="10515600" cy="1603375"/>
+            <a:ext cx="10515600" cy="4667249"/>
           </a:xfrm>
         </p:spPr>
         <p:txBody>
@@ -3666,7 +3771,11 @@
             </a:pPr>
             <a:r>
               <a:rPr lang="en-US" sz="2400" dirty="0"/>
-              <a:t>	Predicting a continuous-valued attribute associated with an object.</a:t>
+              <a:t>	</a:t>
+            </a:r>
+            <a:r>
+              <a:rPr lang="en-US" dirty="0"/>
+              <a:t>In machine learning, the goal of regression is to create a model that can predict a numeric, quantifiable value, such as a price, amount, size, or other scalar number.</a:t>
             </a:r>
           </a:p>
           <a:p>
@@ -3674,15 +3783,15 @@
               <a:buNone/>
             </a:pPr>
             <a:r>
-              <a:rPr lang="en-US" sz="2400" dirty="0"/>
+              <a:rPr lang="en-US" dirty="0"/>
               <a:t>	</a:t>
             </a:r>
             <a:r>
-              <a:rPr lang="en-US" sz="2400" b="1" dirty="0"/>
+              <a:rPr lang="en-US" b="1" dirty="0"/>
               <a:t>Applications :</a:t>
             </a:r>
             <a:r>
-              <a:rPr lang="en-US" sz="2400" dirty="0"/>
+              <a:rPr lang="en-US" dirty="0"/>
               <a:t> Drug response, Stock prices</a:t>
             </a:r>
           </a:p>
@@ -3691,18 +3800,18 @@
               <a:buNone/>
             </a:pPr>
             <a:r>
-              <a:rPr lang="en-US" sz="2400" dirty="0"/>
+              <a:rPr lang="en-US" dirty="0"/>
               <a:t>	</a:t>
             </a:r>
             <a:r>
-              <a:rPr lang="en-US" sz="2400" b="1" dirty="0"/>
+              <a:rPr lang="en-US" b="1" dirty="0"/>
               <a:t>Algorithms :</a:t>
             </a:r>
             <a:r>
-              <a:rPr lang="en-US" sz="2400" dirty="0"/>
+              <a:rPr lang="en-US" dirty="0"/>
               <a:t> SVR, nearest neighbors, random forest etc.</a:t>
             </a:r>
-            <a:endParaRPr lang="en-CA" sz="2400" dirty="0"/>
+            <a:endParaRPr lang="en-CA" dirty="0"/>
           </a:p>
         </p:txBody>
       </p:sp>
@@ -4273,7 +4382,7 @@
           <p:cNvPr id="2" name="Title 1">
             <a:extLst>
               <a:ext uri="{FF2B5EF4-FFF2-40B4-BE49-F238E27FC236}">
-                <a16:creationId xmlns:a16="http://schemas.microsoft.com/office/drawing/2014/main" id="{EFFE3D39-1C49-E49F-84DC-159FF7B01072}"/>
+                <a16:creationId xmlns:a16="http://schemas.microsoft.com/office/drawing/2014/main" id="{32B72DC9-7070-0A5F-4E95-342803A864AC}"/>
               </a:ext>
             </a:extLst>
           </p:cNvPr>
@@ -4287,19 +4396,19 @@
         <p:spPr>
           <a:xfrm>
             <a:off x="838200" y="365125"/>
-            <a:ext cx="10515600" cy="2550894"/>
+            <a:ext cx="10515600" cy="856703"/>
           </a:xfrm>
         </p:spPr>
         <p:txBody>
           <a:bodyPr>
-            <a:noAutofit/>
+            <a:normAutofit fontScale="90000"/>
           </a:bodyPr>
           <a:lstStyle/>
           <a:p>
             <a:pPr algn="ctr"/>
             <a:r>
               <a:rPr lang="en-US" sz="6000" dirty="0"/>
-              <a:t>What Function needs to perform train, test and split in sklearn?</a:t>
+              <a:t>Linear Models</a:t>
             </a:r>
             <a:endParaRPr lang="en-CA" sz="6000" dirty="0"/>
           </a:p>
@@ -4310,7 +4419,7 @@
           <p:cNvPr id="3" name="Content Placeholder 2">
             <a:extLst>
               <a:ext uri="{FF2B5EF4-FFF2-40B4-BE49-F238E27FC236}">
-                <a16:creationId xmlns:a16="http://schemas.microsoft.com/office/drawing/2014/main" id="{7D09D7E9-FC63-FDB7-FD65-EE49BC4DAF51}"/>
+                <a16:creationId xmlns:a16="http://schemas.microsoft.com/office/drawing/2014/main" id="{FCF4533D-5CAE-A36A-2DF5-1E9F3D9F9D59}"/>
               </a:ext>
             </a:extLst>
           </p:cNvPr>
@@ -4323,51 +4432,953 @@
         </p:nvSpPr>
         <p:spPr>
           <a:xfrm>
-            <a:off x="838200" y="3224048"/>
-            <a:ext cx="10515600" cy="2952915"/>
+            <a:off x="838200" y="1363716"/>
+            <a:ext cx="10515600" cy="5242036"/>
           </a:xfrm>
         </p:spPr>
         <p:txBody>
-          <a:bodyPr/>
+          <a:bodyPr>
+            <a:normAutofit lnSpcReduction="10000"/>
+          </a:bodyPr>
           <a:lstStyle/>
           <a:p>
             <a:pPr marL="0" indent="0">
               <a:buNone/>
             </a:pPr>
             <a:r>
+              <a:rPr lang="en-US" b="1" dirty="0">
+                <a:solidFill>
+                  <a:srgbClr val="00B050"/>
+                </a:solidFill>
+              </a:rPr>
+              <a:t>LinearRegression :</a:t>
+            </a:r>
+          </a:p>
+          <a:p>
+            <a:pPr marL="0" indent="0">
+              <a:buNone/>
+            </a:pPr>
+            <a:r>
+              <a:rPr lang="en-US" b="1" dirty="0">
+                <a:solidFill>
+                  <a:srgbClr val="00B050"/>
+                </a:solidFill>
+              </a:rPr>
+              <a:t>	</a:t>
+            </a:r>
+            <a:r>
               <a:rPr lang="en-US" dirty="0"/>
-              <a:t>	</a:t>
-            </a:r>
-            <a:r>
-              <a:rPr lang="en-CA" sz="2800" i="1" dirty="0"/>
-              <a:t>from </a:t>
-            </a:r>
-            <a:r>
-              <a:rPr lang="en-CA" sz="2800" b="1" i="1" dirty="0" err="1"/>
-              <a:t>sklearn.model_selection</a:t>
-            </a:r>
-            <a:r>
-              <a:rPr lang="en-CA" sz="2800" i="1" dirty="0"/>
-              <a:t> import </a:t>
-            </a:r>
-            <a:r>
-              <a:rPr lang="en-CA" sz="2800" b="1" i="1" dirty="0" err="1"/>
-              <a:t>train_test_split</a:t>
-            </a:r>
-            <a:endParaRPr lang="en-CA" sz="2800" b="1" i="1" dirty="0"/>
+              <a:t>LinearRegression will take in its “fit” method arrays X , y and will store the coefficients Ꙍ of the linear model in its coef_ member :</a:t>
+            </a:r>
           </a:p>
           <a:p>
             <a:pPr marL="0" indent="0">
               <a:buNone/>
             </a:pPr>
-            <a:endParaRPr lang="en-CA" dirty="0"/>
+            <a:endParaRPr lang="en-US" dirty="0"/>
+          </a:p>
+          <a:p>
+            <a:pPr marL="0" indent="0">
+              <a:buNone/>
+            </a:pPr>
+            <a:endParaRPr lang="en-US" dirty="0"/>
+          </a:p>
+          <a:p>
+            <a:pPr marL="0" indent="0">
+              <a:buNone/>
+            </a:pPr>
+            <a:endParaRPr lang="en-US" dirty="0"/>
+          </a:p>
+          <a:p>
+            <a:pPr marL="0" indent="0">
+              <a:buNone/>
+            </a:pPr>
+            <a:endParaRPr lang="en-US" dirty="0"/>
+          </a:p>
+          <a:p>
+            <a:pPr marL="0" indent="0">
+              <a:buNone/>
+            </a:pPr>
+            <a:endParaRPr lang="en-US" dirty="0"/>
+          </a:p>
+          <a:p>
+            <a:pPr>
+              <a:buFont typeface="Wingdings" panose="05000000000000000000" pitchFamily="2" charset="2"/>
+              <a:buChar char="ü"/>
+            </a:pPr>
+            <a:r>
+              <a:rPr lang="en-US" dirty="0"/>
+              <a:t>Linear regression works like sum of the residual (distance between    the line and data points) squares</a:t>
+            </a:r>
+          </a:p>
+          <a:p>
+            <a:pPr marL="0" indent="0">
+              <a:buNone/>
+            </a:pPr>
+            <a:r>
+              <a:rPr lang="en-US" dirty="0"/>
+              <a:t>Ref : </a:t>
+            </a:r>
+            <a:r>
+              <a:rPr lang="en-US" dirty="0">
+                <a:hlinkClick r:id="rId2"/>
+              </a:rPr>
+              <a:t>(51) Linear Regression, Clearly Explained!!! - YouTube</a:t>
+            </a:r>
+            <a:endParaRPr lang="en-US" dirty="0"/>
+          </a:p>
+        </p:txBody>
+      </p:sp>
+      <p:sp>
+        <p:nvSpPr>
+          <p:cNvPr id="4" name="Rectangle 1">
+            <a:extLst>
+              <a:ext uri="{FF2B5EF4-FFF2-40B4-BE49-F238E27FC236}">
+                <a16:creationId xmlns:a16="http://schemas.microsoft.com/office/drawing/2014/main" id="{C8A84B1A-9C90-5FA2-AE2D-FD4C9F370228}"/>
+              </a:ext>
+            </a:extLst>
+          </p:cNvPr>
+          <p:cNvSpPr>
+            <a:spLocks noChangeArrowheads="1"/>
+          </p:cNvSpPr>
+          <p:nvPr/>
+        </p:nvSpPr>
+        <p:spPr bwMode="auto">
+          <a:xfrm>
+            <a:off x="1852449" y="2673580"/>
+            <a:ext cx="9501351" cy="2308324"/>
+          </a:xfrm>
+          <a:prstGeom prst="rect">
+            <a:avLst/>
+          </a:prstGeom>
+          <a:noFill/>
+          <a:ln>
+            <a:noFill/>
+          </a:ln>
+          <a:effectLst/>
+          <a:extLst>
+            <a:ext uri="{909E8E84-426E-40DD-AFC4-6F175D3DCCD1}">
+              <a14:hiddenFill xmlns:a14="http://schemas.microsoft.com/office/drawing/2010/main">
+                <a:solidFill>
+                  <a:schemeClr val="accent1"/>
+                </a:solidFill>
+              </a14:hiddenFill>
+            </a:ext>
+            <a:ext uri="{91240B29-F687-4F45-9708-019B960494DF}">
+              <a14:hiddenLine xmlns:a14="http://schemas.microsoft.com/office/drawing/2010/main" w="9525">
+                <a:solidFill>
+                  <a:schemeClr val="tx1"/>
+                </a:solidFill>
+                <a:miter lim="800000"/>
+                <a:headEnd/>
+                <a:tailEnd/>
+              </a14:hiddenLine>
+            </a:ext>
+            <a:ext uri="{AF507438-7753-43E0-B8FC-AC1667EBCBE1}">
+              <a14:hiddenEffects xmlns:a14="http://schemas.microsoft.com/office/drawing/2010/main">
+                <a:effectLst>
+                  <a:outerShdw dist="35921" dir="2700000" algn="ctr" rotWithShape="0">
+                    <a:schemeClr val="bg2"/>
+                  </a:outerShdw>
+                </a:effectLst>
+              </a14:hiddenEffects>
+            </a:ext>
+          </a:extLst>
+        </p:spPr>
+        <p:txBody>
+          <a:bodyPr vert="horz" wrap="square" lIns="91440" tIns="0" rIns="91440" bIns="0" numCol="1" anchor="ctr" anchorCtr="0" compatLnSpc="1">
+            <a:prstTxWarp prst="textNoShape">
+              <a:avLst/>
+            </a:prstTxWarp>
+            <a:spAutoFit/>
+          </a:bodyPr>
+          <a:lstStyle/>
+          <a:p>
+            <a:pPr marL="0" marR="0" lvl="0" indent="0" algn="l" defTabSz="914400" rtl="0" eaLnBrk="0" fontAlgn="base" latinLnBrk="0" hangingPunct="0">
+              <a:lnSpc>
+                <a:spcPct val="100000"/>
+              </a:lnSpc>
+              <a:spcBef>
+                <a:spcPct val="30000"/>
+              </a:spcBef>
+              <a:spcAft>
+                <a:spcPct val="0"/>
+              </a:spcAft>
+              <a:buClrTx/>
+              <a:buSzTx/>
+              <a:buFontTx/>
+              <a:buNone/>
+              <a:tabLst/>
+            </a:pPr>
+            <a:r>
+              <a:rPr kumimoji="0" lang="en-US" altLang="en-US" sz="2000" b="1" i="0" u="none" strike="noStrike" cap="none" normalizeH="0" baseline="0" dirty="0">
+                <a:ln>
+                  <a:noFill/>
+                </a:ln>
+                <a:solidFill>
+                  <a:srgbClr val="C65D09"/>
+                </a:solidFill>
+                <a:effectLst/>
+                <a:latin typeface="SFMono-Regular"/>
+              </a:rPr>
+              <a:t>&gt;&gt;&gt; </a:t>
+            </a:r>
+            <a:r>
+              <a:rPr kumimoji="0" lang="en-US" altLang="en-US" sz="2000" b="1" i="0" u="none" strike="noStrike" cap="none" normalizeH="0" baseline="0" dirty="0">
+                <a:ln>
+                  <a:noFill/>
+                </a:ln>
+                <a:solidFill>
+                  <a:srgbClr val="007020"/>
+                </a:solidFill>
+                <a:effectLst/>
+                <a:latin typeface="SFMono-Regular"/>
+              </a:rPr>
+              <a:t>from</a:t>
+            </a:r>
+            <a:r>
+              <a:rPr kumimoji="0" lang="en-US" altLang="en-US" sz="2000" b="0" i="0" u="none" strike="noStrike" cap="none" normalizeH="0" baseline="0" dirty="0">
+                <a:ln>
+                  <a:noFill/>
+                </a:ln>
+                <a:solidFill>
+                  <a:srgbClr val="212529"/>
+                </a:solidFill>
+                <a:effectLst/>
+                <a:latin typeface="SFMono-Regular"/>
+              </a:rPr>
+              <a:t> </a:t>
+            </a:r>
+            <a:r>
+              <a:rPr kumimoji="0" lang="en-US" altLang="en-US" sz="2000" b="1" i="0" u="none" strike="noStrike" cap="none" normalizeH="0" baseline="0" dirty="0">
+                <a:ln>
+                  <a:noFill/>
+                </a:ln>
+                <a:solidFill>
+                  <a:srgbClr val="0E84B5"/>
+                </a:solidFill>
+                <a:effectLst/>
+                <a:latin typeface="SFMono-Regular"/>
+              </a:rPr>
+              <a:t>sklearn</a:t>
+            </a:r>
+            <a:r>
+              <a:rPr kumimoji="0" lang="en-US" altLang="en-US" sz="2000" b="0" i="0" u="none" strike="noStrike" cap="none" normalizeH="0" baseline="0" dirty="0">
+                <a:ln>
+                  <a:noFill/>
+                </a:ln>
+                <a:solidFill>
+                  <a:srgbClr val="212529"/>
+                </a:solidFill>
+                <a:effectLst/>
+                <a:latin typeface="SFMono-Regular"/>
+              </a:rPr>
+              <a:t> </a:t>
+            </a:r>
+            <a:r>
+              <a:rPr kumimoji="0" lang="en-US" altLang="en-US" sz="2000" b="1" i="0" u="none" strike="noStrike" cap="none" normalizeH="0" baseline="0" dirty="0">
+                <a:ln>
+                  <a:noFill/>
+                </a:ln>
+                <a:solidFill>
+                  <a:srgbClr val="007020"/>
+                </a:solidFill>
+                <a:effectLst/>
+                <a:latin typeface="SFMono-Regular"/>
+              </a:rPr>
+              <a:t>import</a:t>
+            </a:r>
+            <a:r>
+              <a:rPr kumimoji="0" lang="en-US" altLang="en-US" sz="2000" b="0" i="0" u="none" strike="noStrike" cap="none" normalizeH="0" baseline="0" dirty="0">
+                <a:ln>
+                  <a:noFill/>
+                </a:ln>
+                <a:solidFill>
+                  <a:srgbClr val="212529"/>
+                </a:solidFill>
+                <a:effectLst/>
+                <a:latin typeface="SFMono-Regular"/>
+              </a:rPr>
+              <a:t> </a:t>
+            </a:r>
+            <a:r>
+              <a:rPr kumimoji="0" lang="en-US" altLang="en-US" sz="2000" b="0" i="0" u="none" strike="noStrike" cap="none" normalizeH="0" baseline="0" dirty="0" err="1">
+                <a:ln>
+                  <a:noFill/>
+                </a:ln>
+                <a:solidFill>
+                  <a:schemeClr val="tx1"/>
+                </a:solidFill>
+                <a:effectLst/>
+                <a:latin typeface="Arial" panose="020B0604020202020204" pitchFamily="34" charset="0"/>
+              </a:rPr>
+              <a:t>linear_model</a:t>
+            </a:r>
+            <a:r>
+              <a:rPr kumimoji="0" lang="en-US" altLang="en-US" sz="2000" b="0" i="0" u="none" strike="noStrike" cap="none" normalizeH="0" baseline="0" dirty="0">
+                <a:ln>
+                  <a:noFill/>
+                </a:ln>
+                <a:solidFill>
+                  <a:srgbClr val="212529"/>
+                </a:solidFill>
+                <a:effectLst/>
+                <a:latin typeface="SFMono-Regular"/>
+              </a:rPr>
+              <a:t> </a:t>
+            </a:r>
+          </a:p>
+          <a:p>
+            <a:pPr marL="0" marR="0" lvl="0" indent="0" algn="l" defTabSz="914400" rtl="0" eaLnBrk="0" fontAlgn="base" latinLnBrk="0" hangingPunct="0">
+              <a:lnSpc>
+                <a:spcPct val="100000"/>
+              </a:lnSpc>
+              <a:spcBef>
+                <a:spcPct val="30000"/>
+              </a:spcBef>
+              <a:spcAft>
+                <a:spcPct val="0"/>
+              </a:spcAft>
+              <a:buClrTx/>
+              <a:buSzTx/>
+              <a:buFontTx/>
+              <a:buNone/>
+              <a:tabLst/>
+            </a:pPr>
+            <a:r>
+              <a:rPr kumimoji="0" lang="en-US" altLang="en-US" sz="2000" b="1" i="0" u="none" strike="noStrike" cap="none" normalizeH="0" baseline="0" dirty="0">
+                <a:ln>
+                  <a:noFill/>
+                </a:ln>
+                <a:solidFill>
+                  <a:srgbClr val="C65D09"/>
+                </a:solidFill>
+                <a:effectLst/>
+                <a:latin typeface="SFMono-Regular"/>
+              </a:rPr>
+              <a:t>&gt;&gt;&gt; </a:t>
+            </a:r>
+            <a:r>
+              <a:rPr kumimoji="0" lang="en-US" altLang="en-US" sz="2000" b="0" i="0" u="none" strike="noStrike" cap="none" normalizeH="0" baseline="0" dirty="0">
+                <a:ln>
+                  <a:noFill/>
+                </a:ln>
+                <a:solidFill>
+                  <a:schemeClr val="tx1"/>
+                </a:solidFill>
+                <a:effectLst/>
+                <a:latin typeface="Arial" panose="020B0604020202020204" pitchFamily="34" charset="0"/>
+              </a:rPr>
+              <a:t>reg</a:t>
+            </a:r>
+            <a:r>
+              <a:rPr kumimoji="0" lang="en-US" altLang="en-US" sz="2000" b="0" i="0" u="none" strike="noStrike" cap="none" normalizeH="0" baseline="0" dirty="0">
+                <a:ln>
+                  <a:noFill/>
+                </a:ln>
+                <a:solidFill>
+                  <a:srgbClr val="212529"/>
+                </a:solidFill>
+                <a:effectLst/>
+                <a:latin typeface="SFMono-Regular"/>
+              </a:rPr>
+              <a:t> </a:t>
+            </a:r>
+            <a:r>
+              <a:rPr kumimoji="0" lang="en-US" altLang="en-US" sz="2000" b="0" i="0" u="none" strike="noStrike" cap="none" normalizeH="0" baseline="0" dirty="0">
+                <a:ln>
+                  <a:noFill/>
+                </a:ln>
+                <a:solidFill>
+                  <a:srgbClr val="666666"/>
+                </a:solidFill>
+                <a:effectLst/>
+                <a:latin typeface="Arial" panose="020B0604020202020204" pitchFamily="34" charset="0"/>
+              </a:rPr>
+              <a:t>=</a:t>
+            </a:r>
+            <a:r>
+              <a:rPr kumimoji="0" lang="en-US" altLang="en-US" sz="2000" b="0" i="0" u="none" strike="noStrike" cap="none" normalizeH="0" baseline="0" dirty="0">
+                <a:ln>
+                  <a:noFill/>
+                </a:ln>
+                <a:solidFill>
+                  <a:srgbClr val="212529"/>
+                </a:solidFill>
+                <a:effectLst/>
+                <a:latin typeface="SFMono-Regular"/>
+              </a:rPr>
+              <a:t> </a:t>
+            </a:r>
+            <a:r>
+              <a:rPr kumimoji="0" lang="en-US" altLang="en-US" sz="2000" b="0" i="0" u="none" strike="noStrike" cap="none" normalizeH="0" baseline="0" dirty="0" err="1">
+                <a:ln>
+                  <a:noFill/>
+                </a:ln>
+                <a:solidFill>
+                  <a:schemeClr val="tx1"/>
+                </a:solidFill>
+                <a:effectLst/>
+                <a:latin typeface="Arial" panose="020B0604020202020204" pitchFamily="34" charset="0"/>
+              </a:rPr>
+              <a:t>linear_model</a:t>
+            </a:r>
+            <a:r>
+              <a:rPr kumimoji="0" lang="en-US" altLang="en-US" sz="2000" b="0" i="0" u="none" strike="noStrike" cap="none" normalizeH="0" baseline="0" dirty="0" err="1">
+                <a:ln>
+                  <a:noFill/>
+                </a:ln>
+                <a:solidFill>
+                  <a:srgbClr val="666666"/>
+                </a:solidFill>
+                <a:effectLst/>
+                <a:latin typeface="Arial" panose="020B0604020202020204" pitchFamily="34" charset="0"/>
+              </a:rPr>
+              <a:t>.</a:t>
+            </a:r>
+            <a:r>
+              <a:rPr kumimoji="0" lang="en-US" altLang="en-US" sz="2000" b="0" i="0" u="none" strike="noStrike" cap="none" normalizeH="0" baseline="0" dirty="0" err="1">
+                <a:ln>
+                  <a:noFill/>
+                </a:ln>
+                <a:solidFill>
+                  <a:schemeClr val="tx1"/>
+                </a:solidFill>
+                <a:effectLst/>
+                <a:latin typeface="Arial" panose="020B0604020202020204" pitchFamily="34" charset="0"/>
+              </a:rPr>
+              <a:t>LinearRegression</a:t>
+            </a:r>
+            <a:r>
+              <a:rPr kumimoji="0" lang="en-US" altLang="en-US" sz="2000" b="0" i="0" u="none" strike="noStrike" cap="none" normalizeH="0" baseline="0" dirty="0">
+                <a:ln>
+                  <a:noFill/>
+                </a:ln>
+                <a:solidFill>
+                  <a:srgbClr val="212529"/>
+                </a:solidFill>
+                <a:effectLst/>
+                <a:latin typeface="SFMono-Regular"/>
+              </a:rPr>
+              <a:t>() </a:t>
+            </a:r>
+          </a:p>
+          <a:p>
+            <a:pPr marL="0" marR="0" lvl="0" indent="0" algn="l" defTabSz="914400" rtl="0" eaLnBrk="0" fontAlgn="base" latinLnBrk="0" hangingPunct="0">
+              <a:lnSpc>
+                <a:spcPct val="100000"/>
+              </a:lnSpc>
+              <a:spcBef>
+                <a:spcPct val="30000"/>
+              </a:spcBef>
+              <a:spcAft>
+                <a:spcPct val="0"/>
+              </a:spcAft>
+              <a:buClrTx/>
+              <a:buSzTx/>
+              <a:buFontTx/>
+              <a:buNone/>
+              <a:tabLst/>
+            </a:pPr>
+            <a:r>
+              <a:rPr kumimoji="0" lang="en-US" altLang="en-US" sz="2000" b="1" i="0" u="none" strike="noStrike" cap="none" normalizeH="0" baseline="0" dirty="0">
+                <a:ln>
+                  <a:noFill/>
+                </a:ln>
+                <a:solidFill>
+                  <a:srgbClr val="C65D09"/>
+                </a:solidFill>
+                <a:effectLst/>
+                <a:latin typeface="SFMono-Regular"/>
+              </a:rPr>
+              <a:t>&gt;&gt;&gt; </a:t>
+            </a:r>
+            <a:r>
+              <a:rPr kumimoji="0" lang="en-US" altLang="en-US" sz="2000" b="0" i="0" u="none" strike="noStrike" cap="none" normalizeH="0" baseline="0" dirty="0" err="1">
+                <a:ln>
+                  <a:noFill/>
+                </a:ln>
+                <a:solidFill>
+                  <a:schemeClr val="tx1"/>
+                </a:solidFill>
+                <a:effectLst/>
+                <a:latin typeface="Arial" panose="020B0604020202020204" pitchFamily="34" charset="0"/>
+              </a:rPr>
+              <a:t>reg</a:t>
+            </a:r>
+            <a:r>
+              <a:rPr kumimoji="0" lang="en-US" altLang="en-US" sz="2000" b="0" i="0" u="none" strike="noStrike" cap="none" normalizeH="0" baseline="0" dirty="0" err="1">
+                <a:ln>
+                  <a:noFill/>
+                </a:ln>
+                <a:solidFill>
+                  <a:srgbClr val="666666"/>
+                </a:solidFill>
+                <a:effectLst/>
+                <a:latin typeface="Arial" panose="020B0604020202020204" pitchFamily="34" charset="0"/>
+              </a:rPr>
+              <a:t>.</a:t>
+            </a:r>
+            <a:r>
+              <a:rPr kumimoji="0" lang="en-US" altLang="en-US" sz="2000" b="0" i="0" u="none" strike="noStrike" cap="none" normalizeH="0" baseline="0" dirty="0" err="1">
+                <a:ln>
+                  <a:noFill/>
+                </a:ln>
+                <a:solidFill>
+                  <a:schemeClr val="tx1"/>
+                </a:solidFill>
+                <a:effectLst/>
+                <a:latin typeface="Arial" panose="020B0604020202020204" pitchFamily="34" charset="0"/>
+              </a:rPr>
+              <a:t>fit</a:t>
+            </a:r>
+            <a:r>
+              <a:rPr kumimoji="0" lang="en-US" altLang="en-US" sz="2000" b="0" i="0" u="none" strike="noStrike" cap="none" normalizeH="0" baseline="0" dirty="0">
+                <a:ln>
+                  <a:noFill/>
+                </a:ln>
+                <a:solidFill>
+                  <a:srgbClr val="212529"/>
+                </a:solidFill>
+                <a:effectLst/>
+                <a:latin typeface="SFMono-Regular"/>
+              </a:rPr>
+              <a:t>([[</a:t>
+            </a:r>
+            <a:r>
+              <a:rPr kumimoji="0" lang="en-US" altLang="en-US" sz="2000" b="0" i="0" u="none" strike="noStrike" cap="none" normalizeH="0" baseline="0" dirty="0">
+                <a:ln>
+                  <a:noFill/>
+                </a:ln>
+                <a:solidFill>
+                  <a:srgbClr val="208050"/>
+                </a:solidFill>
+                <a:effectLst/>
+                <a:latin typeface="SFMono-Regular"/>
+              </a:rPr>
+              <a:t>0</a:t>
+            </a:r>
+            <a:r>
+              <a:rPr kumimoji="0" lang="en-US" altLang="en-US" sz="2000" b="0" i="0" u="none" strike="noStrike" cap="none" normalizeH="0" baseline="0" dirty="0">
+                <a:ln>
+                  <a:noFill/>
+                </a:ln>
+                <a:solidFill>
+                  <a:srgbClr val="212529"/>
+                </a:solidFill>
+                <a:effectLst/>
+                <a:latin typeface="SFMono-Regular"/>
+              </a:rPr>
+              <a:t>, </a:t>
+            </a:r>
+            <a:r>
+              <a:rPr kumimoji="0" lang="en-US" altLang="en-US" sz="2000" b="0" i="0" u="none" strike="noStrike" cap="none" normalizeH="0" baseline="0" dirty="0">
+                <a:ln>
+                  <a:noFill/>
+                </a:ln>
+                <a:solidFill>
+                  <a:srgbClr val="208050"/>
+                </a:solidFill>
+                <a:effectLst/>
+                <a:latin typeface="SFMono-Regular"/>
+              </a:rPr>
+              <a:t>0</a:t>
+            </a:r>
+            <a:r>
+              <a:rPr kumimoji="0" lang="en-US" altLang="en-US" sz="2000" b="0" i="0" u="none" strike="noStrike" cap="none" normalizeH="0" baseline="0" dirty="0">
+                <a:ln>
+                  <a:noFill/>
+                </a:ln>
+                <a:solidFill>
+                  <a:srgbClr val="212529"/>
+                </a:solidFill>
+                <a:effectLst/>
+                <a:latin typeface="SFMono-Regular"/>
+              </a:rPr>
+              <a:t>], [</a:t>
+            </a:r>
+            <a:r>
+              <a:rPr kumimoji="0" lang="en-US" altLang="en-US" sz="2000" b="0" i="0" u="none" strike="noStrike" cap="none" normalizeH="0" baseline="0" dirty="0">
+                <a:ln>
+                  <a:noFill/>
+                </a:ln>
+                <a:solidFill>
+                  <a:srgbClr val="208050"/>
+                </a:solidFill>
+                <a:effectLst/>
+                <a:latin typeface="SFMono-Regular"/>
+              </a:rPr>
+              <a:t>1</a:t>
+            </a:r>
+            <a:r>
+              <a:rPr kumimoji="0" lang="en-US" altLang="en-US" sz="2000" b="0" i="0" u="none" strike="noStrike" cap="none" normalizeH="0" baseline="0" dirty="0">
+                <a:ln>
+                  <a:noFill/>
+                </a:ln>
+                <a:solidFill>
+                  <a:srgbClr val="212529"/>
+                </a:solidFill>
+                <a:effectLst/>
+                <a:latin typeface="SFMono-Regular"/>
+              </a:rPr>
+              <a:t>, </a:t>
+            </a:r>
+            <a:r>
+              <a:rPr kumimoji="0" lang="en-US" altLang="en-US" sz="2000" b="0" i="0" u="none" strike="noStrike" cap="none" normalizeH="0" baseline="0" dirty="0">
+                <a:ln>
+                  <a:noFill/>
+                </a:ln>
+                <a:solidFill>
+                  <a:srgbClr val="208050"/>
+                </a:solidFill>
+                <a:effectLst/>
+                <a:latin typeface="SFMono-Regular"/>
+              </a:rPr>
+              <a:t>1</a:t>
+            </a:r>
+            <a:r>
+              <a:rPr kumimoji="0" lang="en-US" altLang="en-US" sz="2000" b="0" i="0" u="none" strike="noStrike" cap="none" normalizeH="0" baseline="0" dirty="0">
+                <a:ln>
+                  <a:noFill/>
+                </a:ln>
+                <a:solidFill>
+                  <a:srgbClr val="212529"/>
+                </a:solidFill>
+                <a:effectLst/>
+                <a:latin typeface="SFMono-Regular"/>
+              </a:rPr>
+              <a:t>], [</a:t>
+            </a:r>
+            <a:r>
+              <a:rPr kumimoji="0" lang="en-US" altLang="en-US" sz="2000" b="0" i="0" u="none" strike="noStrike" cap="none" normalizeH="0" baseline="0" dirty="0">
+                <a:ln>
+                  <a:noFill/>
+                </a:ln>
+                <a:solidFill>
+                  <a:srgbClr val="208050"/>
+                </a:solidFill>
+                <a:effectLst/>
+                <a:latin typeface="SFMono-Regular"/>
+              </a:rPr>
+              <a:t>2</a:t>
+            </a:r>
+            <a:r>
+              <a:rPr kumimoji="0" lang="en-US" altLang="en-US" sz="2000" b="0" i="0" u="none" strike="noStrike" cap="none" normalizeH="0" baseline="0" dirty="0">
+                <a:ln>
+                  <a:noFill/>
+                </a:ln>
+                <a:solidFill>
+                  <a:srgbClr val="212529"/>
+                </a:solidFill>
+                <a:effectLst/>
+                <a:latin typeface="SFMono-Regular"/>
+              </a:rPr>
+              <a:t>, </a:t>
+            </a:r>
+            <a:r>
+              <a:rPr kumimoji="0" lang="en-US" altLang="en-US" sz="2000" b="0" i="0" u="none" strike="noStrike" cap="none" normalizeH="0" baseline="0" dirty="0">
+                <a:ln>
+                  <a:noFill/>
+                </a:ln>
+                <a:solidFill>
+                  <a:srgbClr val="208050"/>
+                </a:solidFill>
+                <a:effectLst/>
+                <a:latin typeface="SFMono-Regular"/>
+              </a:rPr>
+              <a:t>2</a:t>
+            </a:r>
+            <a:r>
+              <a:rPr kumimoji="0" lang="en-US" altLang="en-US" sz="2000" b="0" i="0" u="none" strike="noStrike" cap="none" normalizeH="0" baseline="0" dirty="0">
+                <a:ln>
+                  <a:noFill/>
+                </a:ln>
+                <a:solidFill>
+                  <a:srgbClr val="212529"/>
+                </a:solidFill>
+                <a:effectLst/>
+                <a:latin typeface="SFMono-Regular"/>
+              </a:rPr>
+              <a:t>]], [</a:t>
+            </a:r>
+            <a:r>
+              <a:rPr kumimoji="0" lang="en-US" altLang="en-US" sz="2000" b="0" i="0" u="none" strike="noStrike" cap="none" normalizeH="0" baseline="0" dirty="0">
+                <a:ln>
+                  <a:noFill/>
+                </a:ln>
+                <a:solidFill>
+                  <a:srgbClr val="208050"/>
+                </a:solidFill>
+                <a:effectLst/>
+                <a:latin typeface="SFMono-Regular"/>
+              </a:rPr>
+              <a:t>0</a:t>
+            </a:r>
+            <a:r>
+              <a:rPr kumimoji="0" lang="en-US" altLang="en-US" sz="2000" b="0" i="0" u="none" strike="noStrike" cap="none" normalizeH="0" baseline="0" dirty="0">
+                <a:ln>
+                  <a:noFill/>
+                </a:ln>
+                <a:solidFill>
+                  <a:srgbClr val="212529"/>
+                </a:solidFill>
+                <a:effectLst/>
+                <a:latin typeface="SFMono-Regular"/>
+              </a:rPr>
+              <a:t>, </a:t>
+            </a:r>
+            <a:r>
+              <a:rPr kumimoji="0" lang="en-US" altLang="en-US" sz="2000" b="0" i="0" u="none" strike="noStrike" cap="none" normalizeH="0" baseline="0" dirty="0">
+                <a:ln>
+                  <a:noFill/>
+                </a:ln>
+                <a:solidFill>
+                  <a:srgbClr val="208050"/>
+                </a:solidFill>
+                <a:effectLst/>
+                <a:latin typeface="SFMono-Regular"/>
+              </a:rPr>
+              <a:t>1</a:t>
+            </a:r>
+            <a:r>
+              <a:rPr kumimoji="0" lang="en-US" altLang="en-US" sz="2000" b="0" i="0" u="none" strike="noStrike" cap="none" normalizeH="0" baseline="0" dirty="0">
+                <a:ln>
+                  <a:noFill/>
+                </a:ln>
+                <a:solidFill>
+                  <a:srgbClr val="212529"/>
+                </a:solidFill>
+                <a:effectLst/>
+                <a:latin typeface="SFMono-Regular"/>
+              </a:rPr>
+              <a:t>, </a:t>
+            </a:r>
+            <a:r>
+              <a:rPr kumimoji="0" lang="en-US" altLang="en-US" sz="2000" b="0" i="0" u="none" strike="noStrike" cap="none" normalizeH="0" baseline="0" dirty="0">
+                <a:ln>
+                  <a:noFill/>
+                </a:ln>
+                <a:solidFill>
+                  <a:srgbClr val="208050"/>
+                </a:solidFill>
+                <a:effectLst/>
+                <a:latin typeface="SFMono-Regular"/>
+              </a:rPr>
+              <a:t>2</a:t>
+            </a:r>
+            <a:r>
+              <a:rPr kumimoji="0" lang="en-US" altLang="en-US" sz="2000" b="0" i="0" u="none" strike="noStrike" cap="none" normalizeH="0" baseline="0" dirty="0">
+                <a:ln>
+                  <a:noFill/>
+                </a:ln>
+                <a:solidFill>
+                  <a:srgbClr val="212529"/>
+                </a:solidFill>
+                <a:effectLst/>
+                <a:latin typeface="SFMono-Regular"/>
+              </a:rPr>
+              <a:t>]) </a:t>
+            </a:r>
+          </a:p>
+          <a:p>
+            <a:pPr marL="0" marR="0" lvl="0" indent="0" algn="l" defTabSz="914400" rtl="0" eaLnBrk="0" fontAlgn="base" latinLnBrk="0" hangingPunct="0">
+              <a:lnSpc>
+                <a:spcPct val="100000"/>
+              </a:lnSpc>
+              <a:spcBef>
+                <a:spcPct val="30000"/>
+              </a:spcBef>
+              <a:spcAft>
+                <a:spcPct val="0"/>
+              </a:spcAft>
+              <a:buClrTx/>
+              <a:buSzTx/>
+              <a:buFontTx/>
+              <a:buNone/>
+              <a:tabLst/>
+            </a:pPr>
+            <a:r>
+              <a:rPr kumimoji="0" lang="en-US" altLang="en-US" sz="2000" b="0" i="0" u="none" strike="noStrike" cap="none" normalizeH="0" baseline="0" dirty="0">
+                <a:ln>
+                  <a:noFill/>
+                </a:ln>
+                <a:solidFill>
+                  <a:srgbClr val="333333"/>
+                </a:solidFill>
+                <a:effectLst/>
+                <a:latin typeface="SFMono-Regular"/>
+              </a:rPr>
+              <a:t>LinearRegression()</a:t>
+            </a:r>
+            <a:r>
+              <a:rPr kumimoji="0" lang="en-US" altLang="en-US" sz="2000" b="0" i="0" u="none" strike="noStrike" cap="none" normalizeH="0" baseline="0" dirty="0">
+                <a:ln>
+                  <a:noFill/>
+                </a:ln>
+                <a:solidFill>
+                  <a:srgbClr val="212529"/>
+                </a:solidFill>
+                <a:effectLst/>
+                <a:latin typeface="SFMono-Regular"/>
+              </a:rPr>
+              <a:t> </a:t>
+            </a:r>
+          </a:p>
+          <a:p>
+            <a:pPr marL="0" marR="0" lvl="0" indent="0" algn="l" defTabSz="914400" rtl="0" eaLnBrk="0" fontAlgn="base" latinLnBrk="0" hangingPunct="0">
+              <a:lnSpc>
+                <a:spcPct val="100000"/>
+              </a:lnSpc>
+              <a:spcBef>
+                <a:spcPct val="30000"/>
+              </a:spcBef>
+              <a:spcAft>
+                <a:spcPct val="0"/>
+              </a:spcAft>
+              <a:buClrTx/>
+              <a:buSzTx/>
+              <a:buFontTx/>
+              <a:buNone/>
+              <a:tabLst/>
+            </a:pPr>
+            <a:r>
+              <a:rPr kumimoji="0" lang="en-US" altLang="en-US" sz="2000" b="1" i="0" u="none" strike="noStrike" cap="none" normalizeH="0" baseline="0" dirty="0">
+                <a:ln>
+                  <a:noFill/>
+                </a:ln>
+                <a:solidFill>
+                  <a:srgbClr val="C65D09"/>
+                </a:solidFill>
+                <a:effectLst/>
+                <a:latin typeface="SFMono-Regular"/>
+              </a:rPr>
+              <a:t>&gt;&gt;&gt; </a:t>
+            </a:r>
+            <a:r>
+              <a:rPr kumimoji="0" lang="en-US" altLang="en-US" sz="2000" b="0" i="0" u="none" strike="noStrike" cap="none" normalizeH="0" baseline="0" dirty="0" err="1">
+                <a:ln>
+                  <a:noFill/>
+                </a:ln>
+                <a:solidFill>
+                  <a:schemeClr val="tx1"/>
+                </a:solidFill>
+                <a:effectLst/>
+                <a:latin typeface="Arial" panose="020B0604020202020204" pitchFamily="34" charset="0"/>
+              </a:rPr>
+              <a:t>reg</a:t>
+            </a:r>
+            <a:r>
+              <a:rPr kumimoji="0" lang="en-US" altLang="en-US" sz="2000" b="0" i="0" u="none" strike="noStrike" cap="none" normalizeH="0" baseline="0" dirty="0" err="1">
+                <a:ln>
+                  <a:noFill/>
+                </a:ln>
+                <a:solidFill>
+                  <a:srgbClr val="666666"/>
+                </a:solidFill>
+                <a:effectLst/>
+                <a:latin typeface="Arial" panose="020B0604020202020204" pitchFamily="34" charset="0"/>
+              </a:rPr>
+              <a:t>.</a:t>
+            </a:r>
+            <a:r>
+              <a:rPr kumimoji="0" lang="en-US" altLang="en-US" sz="2000" b="0" i="0" u="none" strike="noStrike" cap="none" normalizeH="0" baseline="0" dirty="0" err="1">
+                <a:ln>
+                  <a:noFill/>
+                </a:ln>
+                <a:solidFill>
+                  <a:schemeClr val="tx1"/>
+                </a:solidFill>
+                <a:effectLst/>
+                <a:latin typeface="Arial" panose="020B0604020202020204" pitchFamily="34" charset="0"/>
+              </a:rPr>
+              <a:t>coef</a:t>
+            </a:r>
+            <a:r>
+              <a:rPr kumimoji="0" lang="en-US" altLang="en-US" sz="2000" b="0" i="0" u="none" strike="noStrike" cap="none" normalizeH="0" baseline="0" dirty="0">
+                <a:ln>
+                  <a:noFill/>
+                </a:ln>
+                <a:solidFill>
+                  <a:schemeClr val="tx1"/>
+                </a:solidFill>
+                <a:effectLst/>
+                <a:latin typeface="Arial" panose="020B0604020202020204" pitchFamily="34" charset="0"/>
+              </a:rPr>
+              <a:t>_</a:t>
+            </a:r>
+            <a:r>
+              <a:rPr kumimoji="0" lang="en-US" altLang="en-US" sz="2000" b="0" i="0" u="none" strike="noStrike" cap="none" normalizeH="0" baseline="0" dirty="0">
+                <a:ln>
+                  <a:noFill/>
+                </a:ln>
+                <a:solidFill>
+                  <a:srgbClr val="212529"/>
+                </a:solidFill>
+                <a:effectLst/>
+                <a:latin typeface="SFMono-Regular"/>
+              </a:rPr>
+              <a:t> </a:t>
+            </a:r>
+          </a:p>
+          <a:p>
+            <a:pPr marL="0" marR="0" lvl="0" indent="0" algn="l" defTabSz="914400" rtl="0" eaLnBrk="0" fontAlgn="base" latinLnBrk="0" hangingPunct="0">
+              <a:lnSpc>
+                <a:spcPct val="100000"/>
+              </a:lnSpc>
+              <a:spcBef>
+                <a:spcPct val="30000"/>
+              </a:spcBef>
+              <a:spcAft>
+                <a:spcPct val="0"/>
+              </a:spcAft>
+              <a:buClrTx/>
+              <a:buSzTx/>
+              <a:buFontTx/>
+              <a:buNone/>
+              <a:tabLst/>
+            </a:pPr>
+            <a:r>
+              <a:rPr kumimoji="0" lang="en-US" altLang="en-US" sz="2000" b="0" i="0" u="none" strike="noStrike" cap="none" normalizeH="0" baseline="0" dirty="0">
+                <a:ln>
+                  <a:noFill/>
+                </a:ln>
+                <a:solidFill>
+                  <a:srgbClr val="333333"/>
+                </a:solidFill>
+                <a:effectLst/>
+                <a:latin typeface="SFMono-Regular"/>
+              </a:rPr>
+              <a:t>array([0.5, 0.5])</a:t>
+            </a:r>
+            <a:r>
+              <a:rPr kumimoji="0" lang="en-US" altLang="en-US" sz="2000" b="0" i="0" u="none" strike="noStrike" cap="none" normalizeH="0" baseline="0" dirty="0">
+                <a:ln>
+                  <a:noFill/>
+                </a:ln>
+                <a:solidFill>
+                  <a:schemeClr val="tx1"/>
+                </a:solidFill>
+                <a:effectLst/>
+              </a:rPr>
+              <a:t> </a:t>
+            </a:r>
+            <a:endParaRPr kumimoji="0" lang="en-US" altLang="en-US" sz="2000" b="0" i="0" u="none" strike="noStrike" cap="none" normalizeH="0" baseline="0" dirty="0">
+              <a:ln>
+                <a:noFill/>
+              </a:ln>
+              <a:solidFill>
+                <a:schemeClr val="tx1"/>
+              </a:solidFill>
+              <a:effectLst/>
+              <a:latin typeface="Arial" panose="020B0604020202020204" pitchFamily="34" charset="0"/>
+            </a:endParaRPr>
           </a:p>
         </p:txBody>
       </p:sp>
     </p:spTree>
     <p:extLst>
       <p:ext uri="{BB962C8B-B14F-4D97-AF65-F5344CB8AC3E}">
-        <p14:creationId xmlns:p14="http://schemas.microsoft.com/office/powerpoint/2010/main" val="2703266723"/>
+        <p14:creationId xmlns:p14="http://schemas.microsoft.com/office/powerpoint/2010/main" val="193108591"/>
       </p:ext>
     </p:extLst>
   </p:cSld>
@@ -4399,7 +5410,7 @@
           <p:cNvPr id="2" name="Title 1">
             <a:extLst>
               <a:ext uri="{FF2B5EF4-FFF2-40B4-BE49-F238E27FC236}">
-                <a16:creationId xmlns:a16="http://schemas.microsoft.com/office/drawing/2014/main" id="{48F4C95D-A543-4D1E-F137-1B6733E95843}"/>
+                <a16:creationId xmlns:a16="http://schemas.microsoft.com/office/drawing/2014/main" id="{EFFE3D39-1C49-E49F-84DC-159FF7B01072}"/>
               </a:ext>
             </a:extLst>
           </p:cNvPr>
@@ -4408,91 +5419,84 @@
           </p:cNvSpPr>
           <p:nvPr>
             <p:ph type="title"/>
-          </p:nvPr>
-        </p:nvSpPr>
-        <p:spPr/>
-        <p:txBody>
-          <a:bodyPr>
-            <a:normAutofit/>
-          </a:bodyPr>
-          <a:lstStyle/>
-          <a:p>
-            <a:pPr algn="ctr"/>
-            <a:r>
-              <a:rPr lang="en-US" sz="6000" dirty="0"/>
-              <a:t>What is KNN?</a:t>
-            </a:r>
-            <a:endParaRPr lang="en-CA" sz="6000" dirty="0"/>
-          </a:p>
-        </p:txBody>
-      </p:sp>
-      <p:sp>
-        <p:nvSpPr>
-          <p:cNvPr id="3" name="Content Placeholder 2">
-            <a:extLst>
-              <a:ext uri="{FF2B5EF4-FFF2-40B4-BE49-F238E27FC236}">
-                <a16:creationId xmlns:a16="http://schemas.microsoft.com/office/drawing/2014/main" id="{E043E1D4-B277-9ACF-1BFB-4128F8D2E5F7}"/>
-              </a:ext>
-            </a:extLst>
-          </p:cNvPr>
-          <p:cNvSpPr>
-            <a:spLocks noGrp="1"/>
-          </p:cNvSpPr>
-          <p:nvPr>
-            <p:ph idx="1"/>
           </p:nvPr>
         </p:nvSpPr>
         <p:spPr>
           <a:xfrm>
-            <a:off x="838200" y="1825625"/>
-            <a:ext cx="10252841" cy="4351338"/>
+            <a:off x="838200" y="365125"/>
+            <a:ext cx="10515600" cy="2550894"/>
           </a:xfrm>
         </p:spPr>
         <p:txBody>
+          <a:bodyPr>
+            <a:noAutofit/>
+          </a:bodyPr>
+          <a:lstStyle/>
+          <a:p>
+            <a:pPr algn="ctr"/>
+            <a:r>
+              <a:rPr lang="en-US" sz="6000" dirty="0"/>
+              <a:t>What Function needs to perform train, test and split in sklearn?</a:t>
+            </a:r>
+            <a:endParaRPr lang="en-CA" sz="6000" dirty="0"/>
+          </a:p>
+        </p:txBody>
+      </p:sp>
+      <p:sp>
+        <p:nvSpPr>
+          <p:cNvPr id="3" name="Content Placeholder 2">
+            <a:extLst>
+              <a:ext uri="{FF2B5EF4-FFF2-40B4-BE49-F238E27FC236}">
+                <a16:creationId xmlns:a16="http://schemas.microsoft.com/office/drawing/2014/main" id="{7D09D7E9-FC63-FDB7-FD65-EE49BC4DAF51}"/>
+              </a:ext>
+            </a:extLst>
+          </p:cNvPr>
+          <p:cNvSpPr>
+            <a:spLocks noGrp="1"/>
+          </p:cNvSpPr>
+          <p:nvPr>
+            <p:ph idx="1"/>
+          </p:nvPr>
+        </p:nvSpPr>
+        <p:spPr>
+          <a:xfrm>
+            <a:off x="838200" y="3224048"/>
+            <a:ext cx="10515600" cy="2952915"/>
+          </a:xfrm>
+        </p:spPr>
+        <p:txBody>
           <a:bodyPr/>
           <a:lstStyle/>
           <a:p>
-            <a:pPr lvl="1"/>
+            <a:pPr marL="0" indent="0">
+              <a:buNone/>
+            </a:pPr>
             <a:r>
               <a:rPr lang="en-US" dirty="0"/>
-              <a:t>KNN stands for </a:t>
-            </a:r>
-            <a:r>
-              <a:rPr lang="en-US" b="1" i="1" dirty="0"/>
-              <a:t>K nearest neighbors</a:t>
-            </a:r>
-          </a:p>
-          <a:p>
-            <a:pPr lvl="1"/>
-            <a:r>
-              <a:rPr lang="en-US" dirty="0"/>
-              <a:t>It classifying and regression algorithm</a:t>
-            </a:r>
-          </a:p>
-          <a:p>
-            <a:pPr lvl="1"/>
-            <a:r>
-              <a:rPr lang="en-US" dirty="0"/>
-              <a:t>It always advisable to use odd number for the variable K and the value of weights can be either uniform or distance (e.g., </a:t>
-            </a:r>
-            <a:r>
-              <a:rPr lang="en-US" b="1" dirty="0"/>
-              <a:t>k(n_neighbors) = 15 </a:t>
-            </a:r>
-            <a:r>
-              <a:rPr lang="en-US" dirty="0"/>
-              <a:t>, weights = ‘uniform’)</a:t>
-            </a:r>
-          </a:p>
-          <a:p>
-            <a:pPr lvl="2">
-              <a:buFont typeface="Wingdings" panose="05000000000000000000" pitchFamily="2" charset="2"/>
-              <a:buChar char="Ø"/>
+              <a:t>	</a:t>
+            </a:r>
+            <a:r>
+              <a:rPr lang="en-CA" sz="2800" i="1" dirty="0"/>
+              <a:t>from </a:t>
+            </a:r>
+            <a:r>
+              <a:rPr lang="en-CA" sz="2800" b="1" i="1" dirty="0" err="1"/>
+              <a:t>sklearn.model_selection</a:t>
+            </a:r>
+            <a:r>
+              <a:rPr lang="en-CA" sz="2800" i="1" dirty="0"/>
+              <a:t> import </a:t>
+            </a:r>
+            <a:r>
+              <a:rPr lang="en-CA" sz="2800" b="1" i="1" dirty="0" err="1"/>
+              <a:t>train_test_split</a:t>
+            </a:r>
+            <a:endParaRPr lang="en-CA" sz="2800" b="1" i="1" dirty="0"/>
+          </a:p>
+          <a:p>
+            <a:pPr marL="0" indent="0">
+              <a:buNone/>
             </a:pPr>
-            <a:r>
-              <a:rPr lang="en-US" dirty="0"/>
-              <a:t>In this case, a new data point is labeled with by majority from the 15 nearest points</a:t>
-            </a:r>
             <a:endParaRPr lang="en-CA" dirty="0"/>
           </a:p>
         </p:txBody>
@@ -4500,7 +5504,7 @@
     </p:spTree>
     <p:extLst>
       <p:ext uri="{BB962C8B-B14F-4D97-AF65-F5344CB8AC3E}">
-        <p14:creationId xmlns:p14="http://schemas.microsoft.com/office/powerpoint/2010/main" val="997895800"/>
+        <p14:creationId xmlns:p14="http://schemas.microsoft.com/office/powerpoint/2010/main" val="2703266723"/>
       </p:ext>
     </p:extLst>
   </p:cSld>
@@ -4532,7 +5536,7 @@
           <p:cNvPr id="2" name="Title 1">
             <a:extLst>
               <a:ext uri="{FF2B5EF4-FFF2-40B4-BE49-F238E27FC236}">
-                <a16:creationId xmlns:a16="http://schemas.microsoft.com/office/drawing/2014/main" id="{4850A3A1-B94D-C587-43C1-0D571B550B08}"/>
+                <a16:creationId xmlns:a16="http://schemas.microsoft.com/office/drawing/2014/main" id="{48F4C95D-A543-4D1E-F137-1B6733E95843}"/>
               </a:ext>
             </a:extLst>
           </p:cNvPr>
@@ -4545,57 +5549,86 @@
         </p:nvSpPr>
         <p:spPr/>
         <p:txBody>
+          <a:bodyPr>
+            <a:normAutofit/>
+          </a:bodyPr>
+          <a:lstStyle/>
+          <a:p>
+            <a:pPr algn="ctr"/>
+            <a:r>
+              <a:rPr lang="en-US" sz="6000" dirty="0"/>
+              <a:t>What is KNN?</a:t>
+            </a:r>
+            <a:endParaRPr lang="en-CA" sz="6000" dirty="0"/>
+          </a:p>
+        </p:txBody>
+      </p:sp>
+      <p:sp>
+        <p:nvSpPr>
+          <p:cNvPr id="3" name="Content Placeholder 2">
+            <a:extLst>
+              <a:ext uri="{FF2B5EF4-FFF2-40B4-BE49-F238E27FC236}">
+                <a16:creationId xmlns:a16="http://schemas.microsoft.com/office/drawing/2014/main" id="{E043E1D4-B277-9ACF-1BFB-4128F8D2E5F7}"/>
+              </a:ext>
+            </a:extLst>
+          </p:cNvPr>
+          <p:cNvSpPr>
+            <a:spLocks noGrp="1"/>
+          </p:cNvSpPr>
+          <p:nvPr>
+            <p:ph idx="1"/>
+          </p:nvPr>
+        </p:nvSpPr>
+        <p:spPr>
+          <a:xfrm>
+            <a:off x="838200" y="1825625"/>
+            <a:ext cx="10252841" cy="4351338"/>
+          </a:xfrm>
+        </p:spPr>
+        <p:txBody>
           <a:bodyPr/>
           <a:lstStyle/>
           <a:p>
-            <a:pPr algn="ctr"/>
+            <a:pPr lvl="1"/>
             <a:r>
               <a:rPr lang="en-US" dirty="0"/>
-              <a:t>k-Fold Cross-Validation</a:t>
-            </a:r>
-            <a:endParaRPr lang="en-CA" dirty="0"/>
-          </a:p>
-        </p:txBody>
-      </p:sp>
-      <p:sp>
-        <p:nvSpPr>
-          <p:cNvPr id="3" name="Content Placeholder 2">
-            <a:extLst>
-              <a:ext uri="{FF2B5EF4-FFF2-40B4-BE49-F238E27FC236}">
-                <a16:creationId xmlns:a16="http://schemas.microsoft.com/office/drawing/2014/main" id="{8EDCC8CF-E8DB-F498-EAE3-89867EF8D58A}"/>
-              </a:ext>
-            </a:extLst>
-          </p:cNvPr>
-          <p:cNvSpPr>
-            <a:spLocks noGrp="1"/>
-          </p:cNvSpPr>
-          <p:nvPr>
-            <p:ph idx="1"/>
-          </p:nvPr>
-        </p:nvSpPr>
-        <p:spPr/>
-        <p:txBody>
-          <a:bodyPr/>
-          <a:lstStyle/>
+              <a:t>KNN stands for </a:t>
+            </a:r>
+            <a:r>
+              <a:rPr lang="en-US" b="1" i="1" dirty="0"/>
+              <a:t>K nearest neighbors</a:t>
+            </a:r>
+          </a:p>
           <a:p>
             <a:pPr lvl="1"/>
             <a:r>
               <a:rPr lang="en-US" dirty="0"/>
-              <a:t>K-Fold Cross Validation is better than using holdout (train-test-split) method.</a:t>
+              <a:t>It classifying and regression algorithm</a:t>
             </a:r>
           </a:p>
           <a:p>
             <a:pPr lvl="1"/>
             <a:r>
               <a:rPr lang="en-US" dirty="0"/>
-              <a:t>In this validation, we need to use “cross_val_score” function.</a:t>
-            </a:r>
-          </a:p>
-          <a:p>
-            <a:pPr lvl="1"/>
+              <a:t>It always advisable to use odd number for the variable K and the value of weights can be either uniform or distance (e.g., </a:t>
+            </a:r>
+            <a:r>
+              <a:rPr lang="en-US" b="1" dirty="0"/>
+              <a:t>k(n_neighbors) = 15 </a:t>
+            </a:r>
             <a:r>
               <a:rPr lang="en-US" dirty="0"/>
-              <a:t>By using “GridSearchCV”, we can find the optimal value for ‘n_neighbors.</a:t>
+              <a:t>, weights = ‘uniform’)</a:t>
+            </a:r>
+          </a:p>
+          <a:p>
+            <a:pPr lvl="2">
+              <a:buFont typeface="Wingdings" panose="05000000000000000000" pitchFamily="2" charset="2"/>
+              <a:buChar char="Ø"/>
+            </a:pPr>
+            <a:r>
+              <a:rPr lang="en-US" dirty="0"/>
+              <a:t>In this case, a new data point is labeled with by majority from the 15 nearest points</a:t>
             </a:r>
             <a:endParaRPr lang="en-CA" dirty="0"/>
           </a:p>
@@ -4604,7 +5637,7 @@
     </p:spTree>
     <p:extLst>
       <p:ext uri="{BB962C8B-B14F-4D97-AF65-F5344CB8AC3E}">
-        <p14:creationId xmlns:p14="http://schemas.microsoft.com/office/powerpoint/2010/main" val="2181091933"/>
+        <p14:creationId xmlns:p14="http://schemas.microsoft.com/office/powerpoint/2010/main" val="997895800"/>
       </p:ext>
     </p:extLst>
   </p:cSld>
